--- a/Fiches_Protocoles/ProtocolesExpérimentaux.pptx
+++ b/Fiches_Protocoles/ProtocolesExpérimentaux.pptx
@@ -11,13 +11,16 @@
     <p:sldId id="267" r:id="rId5"/>
     <p:sldId id="258" r:id="rId6"/>
     <p:sldId id="260" r:id="rId7"/>
-    <p:sldId id="259" r:id="rId8"/>
-    <p:sldId id="261" r:id="rId9"/>
-    <p:sldId id="268" r:id="rId10"/>
+    <p:sldId id="268" r:id="rId8"/>
+    <p:sldId id="259" r:id="rId9"/>
+    <p:sldId id="261" r:id="rId10"/>
     <p:sldId id="262" r:id="rId11"/>
     <p:sldId id="263" r:id="rId12"/>
     <p:sldId id="265" r:id="rId13"/>
     <p:sldId id="264" r:id="rId14"/>
+    <p:sldId id="270" r:id="rId15"/>
+    <p:sldId id="269" r:id="rId16"/>
+    <p:sldId id="271" r:id="rId17"/>
   </p:sldIdLst>
   <p:sldSz cx="12192000" cy="6858000"/>
   <p:notesSz cx="6858000" cy="9144000"/>
@@ -116,6 +119,11 @@
       </a:defRPr>
     </a:lvl9pPr>
   </p:defaultTextStyle>
+  <p:extLst>
+    <p:ext uri="{EFAFB233-063F-42B5-8137-9DF3F51BA10A}">
+      <p15:sldGuideLst xmlns:p15="http://schemas.microsoft.com/office/powerpoint/2012/main"/>
+    </p:ext>
+  </p:extLst>
 </p:presentation>
 </file>
 
@@ -164,10 +172,9 @@
           </a:lstStyle>
           <a:p>
             <a:r>
-              <a:rPr lang="fr-FR" dirty="0" smtClean="0"/>
+              <a:rPr lang="fr-FR" dirty="0"/>
               <a:t>Modifiez le style du titre</a:t>
             </a:r>
-            <a:endParaRPr lang="fr-FR" dirty="0"/>
           </a:p>
         </p:txBody>
       </p:sp>
@@ -229,10 +236,9 @@
           </a:lstStyle>
           <a:p>
             <a:r>
-              <a:rPr lang="fr-FR" smtClean="0"/>
+              <a:rPr lang="fr-FR"/>
               <a:t>Modifier le style des sous-titres du masque</a:t>
             </a:r>
-            <a:endParaRPr lang="fr-FR"/>
           </a:p>
         </p:txBody>
       </p:sp>
@@ -253,7 +259,7 @@
           <a:p>
             <a:fld id="{1A3D9B3B-1EC8-4BC4-B783-7630517B3190}" type="datetimeFigureOut">
               <a:rPr lang="fr-FR" smtClean="0"/>
-              <a:t>09/12/2021</a:t>
+              <a:t>12/12/2021</a:t>
             </a:fld>
             <a:endParaRPr lang="fr-FR"/>
           </a:p>
@@ -319,13 +325,6 @@
   <p:clrMapOvr>
     <a:masterClrMapping/>
   </p:clrMapOvr>
-  <p:timing>
-    <p:tnLst>
-      <p:par>
-        <p:cTn id="1" dur="indefinite" restart="never" nodeType="tmRoot"/>
-      </p:par>
-    </p:tnLst>
-  </p:timing>
 </p:sldLayout>
 </file>
 
@@ -371,10 +370,9 @@
           </a:lstStyle>
           <a:p>
             <a:r>
-              <a:rPr lang="fr-FR" dirty="0" smtClean="0"/>
+              <a:rPr lang="fr-FR" dirty="0"/>
               <a:t>Modifiez le style du titre</a:t>
             </a:r>
-            <a:endParaRPr lang="fr-FR" dirty="0"/>
           </a:p>
         </p:txBody>
       </p:sp>
@@ -498,7 +496,7 @@
           <a:p>
             <a:pPr lvl="0"/>
             <a:r>
-              <a:rPr lang="fr-FR" smtClean="0"/>
+              <a:rPr lang="fr-FR"/>
               <a:t>Modifier les styles du texte du masque</a:t>
             </a:r>
           </a:p>
@@ -560,13 +558,6 @@
   <p:clrMapOvr>
     <a:masterClrMapping/>
   </p:clrMapOvr>
-  <p:timing>
-    <p:tnLst>
-      <p:par>
-        <p:cTn id="1" dur="indefinite" restart="never" nodeType="tmRoot"/>
-      </p:par>
-    </p:tnLst>
-  </p:timing>
 </p:sldLayout>
 </file>
 
@@ -603,10 +594,9 @@
           <a:lstStyle/>
           <a:p>
             <a:r>
-              <a:rPr lang="fr-FR" smtClean="0"/>
+              <a:rPr lang="fr-FR"/>
               <a:t>Modifiez le style du titre</a:t>
             </a:r>
-            <a:endParaRPr lang="fr-FR"/>
           </a:p>
         </p:txBody>
       </p:sp>
@@ -627,38 +617,37 @@
           <a:p>
             <a:pPr lvl="0"/>
             <a:r>
-              <a:rPr lang="fr-FR" smtClean="0"/>
+              <a:rPr lang="fr-FR"/>
               <a:t>Modifier les styles du texte du masque</a:t>
             </a:r>
           </a:p>
           <a:p>
             <a:pPr lvl="1"/>
             <a:r>
-              <a:rPr lang="fr-FR" smtClean="0"/>
+              <a:rPr lang="fr-FR"/>
               <a:t>Deuxième niveau</a:t>
             </a:r>
           </a:p>
           <a:p>
             <a:pPr lvl="2"/>
             <a:r>
-              <a:rPr lang="fr-FR" smtClean="0"/>
+              <a:rPr lang="fr-FR"/>
               <a:t>Troisième niveau</a:t>
             </a:r>
           </a:p>
           <a:p>
             <a:pPr lvl="3"/>
             <a:r>
-              <a:rPr lang="fr-FR" smtClean="0"/>
+              <a:rPr lang="fr-FR"/>
               <a:t>Quatrième niveau</a:t>
             </a:r>
           </a:p>
           <a:p>
             <a:pPr lvl="4"/>
             <a:r>
-              <a:rPr lang="fr-FR" smtClean="0"/>
+              <a:rPr lang="fr-FR"/>
               <a:t>Cinquième niveau</a:t>
             </a:r>
-            <a:endParaRPr lang="fr-FR"/>
           </a:p>
         </p:txBody>
       </p:sp>
@@ -679,7 +668,7 @@
           <a:p>
             <a:fld id="{1A3D9B3B-1EC8-4BC4-B783-7630517B3190}" type="datetimeFigureOut">
               <a:rPr lang="fr-FR" smtClean="0"/>
-              <a:t>09/12/2021</a:t>
+              <a:t>12/12/2021</a:t>
             </a:fld>
             <a:endParaRPr lang="fr-FR"/>
           </a:p>
@@ -745,13 +734,6 @@
   <p:clrMapOvr>
     <a:masterClrMapping/>
   </p:clrMapOvr>
-  <p:timing>
-    <p:tnLst>
-      <p:par>
-        <p:cTn id="1" dur="indefinite" restart="never" nodeType="tmRoot"/>
-      </p:par>
-    </p:tnLst>
-  </p:timing>
 </p:sldLayout>
 </file>
 
@@ -793,10 +775,9 @@
           <a:lstStyle/>
           <a:p>
             <a:r>
-              <a:rPr lang="fr-FR" smtClean="0"/>
+              <a:rPr lang="fr-FR"/>
               <a:t>Modifiez le style du titre</a:t>
             </a:r>
-            <a:endParaRPr lang="fr-FR"/>
           </a:p>
         </p:txBody>
       </p:sp>
@@ -822,38 +803,37 @@
           <a:p>
             <a:pPr lvl="0"/>
             <a:r>
-              <a:rPr lang="fr-FR" smtClean="0"/>
+              <a:rPr lang="fr-FR"/>
               <a:t>Modifier les styles du texte du masque</a:t>
             </a:r>
           </a:p>
           <a:p>
             <a:pPr lvl="1"/>
             <a:r>
-              <a:rPr lang="fr-FR" smtClean="0"/>
+              <a:rPr lang="fr-FR"/>
               <a:t>Deuxième niveau</a:t>
             </a:r>
           </a:p>
           <a:p>
             <a:pPr lvl="2"/>
             <a:r>
-              <a:rPr lang="fr-FR" smtClean="0"/>
+              <a:rPr lang="fr-FR"/>
               <a:t>Troisième niveau</a:t>
             </a:r>
           </a:p>
           <a:p>
             <a:pPr lvl="3"/>
             <a:r>
-              <a:rPr lang="fr-FR" smtClean="0"/>
+              <a:rPr lang="fr-FR"/>
               <a:t>Quatrième niveau</a:t>
             </a:r>
           </a:p>
           <a:p>
             <a:pPr lvl="4"/>
             <a:r>
-              <a:rPr lang="fr-FR" smtClean="0"/>
+              <a:rPr lang="fr-FR"/>
               <a:t>Cinquième niveau</a:t>
             </a:r>
-            <a:endParaRPr lang="fr-FR"/>
           </a:p>
         </p:txBody>
       </p:sp>
@@ -874,7 +854,7 @@
           <a:p>
             <a:fld id="{1A3D9B3B-1EC8-4BC4-B783-7630517B3190}" type="datetimeFigureOut">
               <a:rPr lang="fr-FR" smtClean="0"/>
-              <a:t>09/12/2021</a:t>
+              <a:t>12/12/2021</a:t>
             </a:fld>
             <a:endParaRPr lang="fr-FR"/>
           </a:p>
@@ -940,13 +920,6 @@
   <p:clrMapOvr>
     <a:masterClrMapping/>
   </p:clrMapOvr>
-  <p:timing>
-    <p:tnLst>
-      <p:par>
-        <p:cTn id="1" dur="indefinite" restart="never" nodeType="tmRoot"/>
-      </p:par>
-    </p:tnLst>
-  </p:timing>
 </p:sldLayout>
 </file>
 
@@ -983,10 +956,9 @@
           <a:lstStyle/>
           <a:p>
             <a:r>
-              <a:rPr lang="fr-FR" smtClean="0"/>
+              <a:rPr lang="fr-FR"/>
               <a:t>Modifiez le style du titre</a:t>
             </a:r>
-            <a:endParaRPr lang="fr-FR"/>
           </a:p>
         </p:txBody>
       </p:sp>
@@ -1007,38 +979,37 @@
           <a:p>
             <a:pPr lvl="0"/>
             <a:r>
-              <a:rPr lang="fr-FR" smtClean="0"/>
+              <a:rPr lang="fr-FR"/>
               <a:t>Modifier les styles du texte du masque</a:t>
             </a:r>
           </a:p>
           <a:p>
             <a:pPr lvl="1"/>
             <a:r>
-              <a:rPr lang="fr-FR" smtClean="0"/>
+              <a:rPr lang="fr-FR"/>
               <a:t>Deuxième niveau</a:t>
             </a:r>
           </a:p>
           <a:p>
             <a:pPr lvl="2"/>
             <a:r>
-              <a:rPr lang="fr-FR" smtClean="0"/>
+              <a:rPr lang="fr-FR"/>
               <a:t>Troisième niveau</a:t>
             </a:r>
           </a:p>
           <a:p>
             <a:pPr lvl="3"/>
             <a:r>
-              <a:rPr lang="fr-FR" smtClean="0"/>
+              <a:rPr lang="fr-FR"/>
               <a:t>Quatrième niveau</a:t>
             </a:r>
           </a:p>
           <a:p>
             <a:pPr lvl="4"/>
             <a:r>
-              <a:rPr lang="fr-FR" smtClean="0"/>
+              <a:rPr lang="fr-FR"/>
               <a:t>Cinquième niveau</a:t>
             </a:r>
-            <a:endParaRPr lang="fr-FR"/>
           </a:p>
         </p:txBody>
       </p:sp>
@@ -1059,7 +1030,7 @@
           <a:p>
             <a:fld id="{1A3D9B3B-1EC8-4BC4-B783-7630517B3190}" type="datetimeFigureOut">
               <a:rPr lang="fr-FR" smtClean="0"/>
-              <a:t>09/12/2021</a:t>
+              <a:t>12/12/2021</a:t>
             </a:fld>
             <a:endParaRPr lang="fr-FR"/>
           </a:p>
@@ -1171,13 +1142,6 @@
   <p:clrMapOvr>
     <a:masterClrMapping/>
   </p:clrMapOvr>
-  <p:timing>
-    <p:tnLst>
-      <p:par>
-        <p:cTn id="1" dur="indefinite" restart="never" nodeType="tmRoot"/>
-      </p:par>
-    </p:tnLst>
-  </p:timing>
 </p:sldLayout>
 </file>
 
@@ -1223,10 +1187,9 @@
           </a:lstStyle>
           <a:p>
             <a:r>
-              <a:rPr lang="fr-FR" smtClean="0"/>
+              <a:rPr lang="fr-FR"/>
               <a:t>Modifiez le style du titre</a:t>
             </a:r>
-            <a:endParaRPr lang="fr-FR"/>
           </a:p>
         </p:txBody>
       </p:sp>
@@ -1343,7 +1306,7 @@
           <a:p>
             <a:pPr lvl="0"/>
             <a:r>
-              <a:rPr lang="fr-FR" smtClean="0"/>
+              <a:rPr lang="fr-FR"/>
               <a:t>Modifier les styles du texte du masque</a:t>
             </a:r>
           </a:p>
@@ -1366,7 +1329,7 @@
           <a:p>
             <a:fld id="{1A3D9B3B-1EC8-4BC4-B783-7630517B3190}" type="datetimeFigureOut">
               <a:rPr lang="fr-FR" smtClean="0"/>
-              <a:t>09/12/2021</a:t>
+              <a:t>12/12/2021</a:t>
             </a:fld>
             <a:endParaRPr lang="fr-FR"/>
           </a:p>
@@ -1432,13 +1395,6 @@
   <p:clrMapOvr>
     <a:masterClrMapping/>
   </p:clrMapOvr>
-  <p:timing>
-    <p:tnLst>
-      <p:par>
-        <p:cTn id="1" dur="indefinite" restart="never" nodeType="tmRoot"/>
-      </p:par>
-    </p:tnLst>
-  </p:timing>
 </p:sldLayout>
 </file>
 
@@ -1475,10 +1431,9 @@
           <a:lstStyle/>
           <a:p>
             <a:r>
-              <a:rPr lang="fr-FR" smtClean="0"/>
+              <a:rPr lang="fr-FR"/>
               <a:t>Modifiez le style du titre</a:t>
             </a:r>
-            <a:endParaRPr lang="fr-FR"/>
           </a:p>
         </p:txBody>
       </p:sp>
@@ -1504,38 +1459,37 @@
           <a:p>
             <a:pPr lvl="0"/>
             <a:r>
-              <a:rPr lang="fr-FR" smtClean="0"/>
+              <a:rPr lang="fr-FR"/>
               <a:t>Modifier les styles du texte du masque</a:t>
             </a:r>
           </a:p>
           <a:p>
             <a:pPr lvl="1"/>
             <a:r>
-              <a:rPr lang="fr-FR" smtClean="0"/>
+              <a:rPr lang="fr-FR"/>
               <a:t>Deuxième niveau</a:t>
             </a:r>
           </a:p>
           <a:p>
             <a:pPr lvl="2"/>
             <a:r>
-              <a:rPr lang="fr-FR" smtClean="0"/>
+              <a:rPr lang="fr-FR"/>
               <a:t>Troisième niveau</a:t>
             </a:r>
           </a:p>
           <a:p>
             <a:pPr lvl="3"/>
             <a:r>
-              <a:rPr lang="fr-FR" smtClean="0"/>
+              <a:rPr lang="fr-FR"/>
               <a:t>Quatrième niveau</a:t>
             </a:r>
           </a:p>
           <a:p>
             <a:pPr lvl="4"/>
             <a:r>
-              <a:rPr lang="fr-FR" smtClean="0"/>
+              <a:rPr lang="fr-FR"/>
               <a:t>Cinquième niveau</a:t>
             </a:r>
-            <a:endParaRPr lang="fr-FR"/>
           </a:p>
         </p:txBody>
       </p:sp>
@@ -1561,38 +1515,37 @@
           <a:p>
             <a:pPr lvl="0"/>
             <a:r>
-              <a:rPr lang="fr-FR" smtClean="0"/>
+              <a:rPr lang="fr-FR"/>
               <a:t>Modifier les styles du texte du masque</a:t>
             </a:r>
           </a:p>
           <a:p>
             <a:pPr lvl="1"/>
             <a:r>
-              <a:rPr lang="fr-FR" smtClean="0"/>
+              <a:rPr lang="fr-FR"/>
               <a:t>Deuxième niveau</a:t>
             </a:r>
           </a:p>
           <a:p>
             <a:pPr lvl="2"/>
             <a:r>
-              <a:rPr lang="fr-FR" smtClean="0"/>
+              <a:rPr lang="fr-FR"/>
               <a:t>Troisième niveau</a:t>
             </a:r>
           </a:p>
           <a:p>
             <a:pPr lvl="3"/>
             <a:r>
-              <a:rPr lang="fr-FR" smtClean="0"/>
+              <a:rPr lang="fr-FR"/>
               <a:t>Quatrième niveau</a:t>
             </a:r>
           </a:p>
           <a:p>
             <a:pPr lvl="4"/>
             <a:r>
-              <a:rPr lang="fr-FR" smtClean="0"/>
+              <a:rPr lang="fr-FR"/>
               <a:t>Cinquième niveau</a:t>
             </a:r>
-            <a:endParaRPr lang="fr-FR"/>
           </a:p>
         </p:txBody>
       </p:sp>
@@ -1613,7 +1566,7 @@
           <a:p>
             <a:fld id="{1A3D9B3B-1EC8-4BC4-B783-7630517B3190}" type="datetimeFigureOut">
               <a:rPr lang="fr-FR" smtClean="0"/>
-              <a:t>09/12/2021</a:t>
+              <a:t>12/12/2021</a:t>
             </a:fld>
             <a:endParaRPr lang="fr-FR"/>
           </a:p>
@@ -1725,13 +1678,6 @@
   <p:clrMapOvr>
     <a:masterClrMapping/>
   </p:clrMapOvr>
-  <p:timing>
-    <p:tnLst>
-      <p:par>
-        <p:cTn id="1" dur="indefinite" restart="never" nodeType="tmRoot"/>
-      </p:par>
-    </p:tnLst>
-  </p:timing>
 </p:sldLayout>
 </file>
 
@@ -1773,10 +1719,9 @@
           <a:lstStyle/>
           <a:p>
             <a:r>
-              <a:rPr lang="fr-FR" smtClean="0"/>
+              <a:rPr lang="fr-FR"/>
               <a:t>Modifiez le style du titre</a:t>
             </a:r>
-            <a:endParaRPr lang="fr-FR"/>
           </a:p>
         </p:txBody>
       </p:sp>
@@ -1839,7 +1784,7 @@
           <a:p>
             <a:pPr lvl="0"/>
             <a:r>
-              <a:rPr lang="fr-FR" smtClean="0"/>
+              <a:rPr lang="fr-FR"/>
               <a:t>Modifier les styles du texte du masque</a:t>
             </a:r>
           </a:p>
@@ -1867,38 +1812,37 @@
           <a:p>
             <a:pPr lvl="0"/>
             <a:r>
-              <a:rPr lang="fr-FR" smtClean="0"/>
+              <a:rPr lang="fr-FR"/>
               <a:t>Modifier les styles du texte du masque</a:t>
             </a:r>
           </a:p>
           <a:p>
             <a:pPr lvl="1"/>
             <a:r>
-              <a:rPr lang="fr-FR" smtClean="0"/>
+              <a:rPr lang="fr-FR"/>
               <a:t>Deuxième niveau</a:t>
             </a:r>
           </a:p>
           <a:p>
             <a:pPr lvl="2"/>
             <a:r>
-              <a:rPr lang="fr-FR" smtClean="0"/>
+              <a:rPr lang="fr-FR"/>
               <a:t>Troisième niveau</a:t>
             </a:r>
           </a:p>
           <a:p>
             <a:pPr lvl="3"/>
             <a:r>
-              <a:rPr lang="fr-FR" smtClean="0"/>
+              <a:rPr lang="fr-FR"/>
               <a:t>Quatrième niveau</a:t>
             </a:r>
           </a:p>
           <a:p>
             <a:pPr lvl="4"/>
             <a:r>
-              <a:rPr lang="fr-FR" smtClean="0"/>
+              <a:rPr lang="fr-FR"/>
               <a:t>Cinquième niveau</a:t>
             </a:r>
-            <a:endParaRPr lang="fr-FR"/>
           </a:p>
         </p:txBody>
       </p:sp>
@@ -1961,7 +1905,7 @@
           <a:p>
             <a:pPr lvl="0"/>
             <a:r>
-              <a:rPr lang="fr-FR" smtClean="0"/>
+              <a:rPr lang="fr-FR"/>
               <a:t>Modifier les styles du texte du masque</a:t>
             </a:r>
           </a:p>
@@ -1989,38 +1933,37 @@
           <a:p>
             <a:pPr lvl="0"/>
             <a:r>
-              <a:rPr lang="fr-FR" smtClean="0"/>
+              <a:rPr lang="fr-FR"/>
               <a:t>Modifier les styles du texte du masque</a:t>
             </a:r>
           </a:p>
           <a:p>
             <a:pPr lvl="1"/>
             <a:r>
-              <a:rPr lang="fr-FR" smtClean="0"/>
+              <a:rPr lang="fr-FR"/>
               <a:t>Deuxième niveau</a:t>
             </a:r>
           </a:p>
           <a:p>
             <a:pPr lvl="2"/>
             <a:r>
-              <a:rPr lang="fr-FR" smtClean="0"/>
+              <a:rPr lang="fr-FR"/>
               <a:t>Troisième niveau</a:t>
             </a:r>
           </a:p>
           <a:p>
             <a:pPr lvl="3"/>
             <a:r>
-              <a:rPr lang="fr-FR" smtClean="0"/>
+              <a:rPr lang="fr-FR"/>
               <a:t>Quatrième niveau</a:t>
             </a:r>
           </a:p>
           <a:p>
             <a:pPr lvl="4"/>
             <a:r>
-              <a:rPr lang="fr-FR" smtClean="0"/>
+              <a:rPr lang="fr-FR"/>
               <a:t>Cinquième niveau</a:t>
             </a:r>
-            <a:endParaRPr lang="fr-FR"/>
           </a:p>
         </p:txBody>
       </p:sp>
@@ -2041,7 +1984,7 @@
           <a:p>
             <a:fld id="{1A3D9B3B-1EC8-4BC4-B783-7630517B3190}" type="datetimeFigureOut">
               <a:rPr lang="fr-FR" smtClean="0"/>
-              <a:t>09/12/2021</a:t>
+              <a:t>12/12/2021</a:t>
             </a:fld>
             <a:endParaRPr lang="fr-FR"/>
           </a:p>
@@ -2107,13 +2050,6 @@
   <p:clrMapOvr>
     <a:masterClrMapping/>
   </p:clrMapOvr>
-  <p:timing>
-    <p:tnLst>
-      <p:par>
-        <p:cTn id="1" dur="indefinite" restart="never" nodeType="tmRoot"/>
-      </p:par>
-    </p:tnLst>
-  </p:timing>
 </p:sldLayout>
 </file>
 
@@ -2150,10 +2086,9 @@
           <a:lstStyle/>
           <a:p>
             <a:r>
-              <a:rPr lang="fr-FR" smtClean="0"/>
+              <a:rPr lang="fr-FR"/>
               <a:t>Modifiez le style du titre</a:t>
             </a:r>
-            <a:endParaRPr lang="fr-FR"/>
           </a:p>
         </p:txBody>
       </p:sp>
@@ -2174,7 +2109,7 @@
           <a:p>
             <a:fld id="{1A3D9B3B-1EC8-4BC4-B783-7630517B3190}" type="datetimeFigureOut">
               <a:rPr lang="fr-FR" smtClean="0"/>
-              <a:t>09/12/2021</a:t>
+              <a:t>12/12/2021</a:t>
             </a:fld>
             <a:endParaRPr lang="fr-FR"/>
           </a:p>
@@ -2286,13 +2221,6 @@
   <p:clrMapOvr>
     <a:masterClrMapping/>
   </p:clrMapOvr>
-  <p:timing>
-    <p:tnLst>
-      <p:par>
-        <p:cTn id="1" dur="indefinite" restart="never" nodeType="tmRoot"/>
-      </p:par>
-    </p:tnLst>
-  </p:timing>
 </p:sldLayout>
 </file>
 
@@ -2330,7 +2258,7 @@
           <a:p>
             <a:fld id="{1A3D9B3B-1EC8-4BC4-B783-7630517B3190}" type="datetimeFigureOut">
               <a:rPr lang="fr-FR" smtClean="0"/>
-              <a:t>09/12/2021</a:t>
+              <a:t>12/12/2021</a:t>
             </a:fld>
             <a:endParaRPr lang="fr-FR"/>
           </a:p>
@@ -2396,13 +2324,6 @@
   <p:clrMapOvr>
     <a:masterClrMapping/>
   </p:clrMapOvr>
-  <p:timing>
-    <p:tnLst>
-      <p:par>
-        <p:cTn id="1" dur="indefinite" restart="never" nodeType="tmRoot"/>
-      </p:par>
-    </p:tnLst>
-  </p:timing>
 </p:sldLayout>
 </file>
 
@@ -2448,10 +2369,9 @@
           </a:lstStyle>
           <a:p>
             <a:r>
-              <a:rPr lang="fr-FR" smtClean="0"/>
+              <a:rPr lang="fr-FR"/>
               <a:t>Modifiez le style du titre</a:t>
             </a:r>
-            <a:endParaRPr lang="fr-FR"/>
           </a:p>
         </p:txBody>
       </p:sp>
@@ -2505,38 +2425,37 @@
           <a:p>
             <a:pPr lvl="0"/>
             <a:r>
-              <a:rPr lang="fr-FR" smtClean="0"/>
+              <a:rPr lang="fr-FR"/>
               <a:t>Modifier les styles du texte du masque</a:t>
             </a:r>
           </a:p>
           <a:p>
             <a:pPr lvl="1"/>
             <a:r>
-              <a:rPr lang="fr-FR" smtClean="0"/>
+              <a:rPr lang="fr-FR"/>
               <a:t>Deuxième niveau</a:t>
             </a:r>
           </a:p>
           <a:p>
             <a:pPr lvl="2"/>
             <a:r>
-              <a:rPr lang="fr-FR" smtClean="0"/>
+              <a:rPr lang="fr-FR"/>
               <a:t>Troisième niveau</a:t>
             </a:r>
           </a:p>
           <a:p>
             <a:pPr lvl="3"/>
             <a:r>
-              <a:rPr lang="fr-FR" smtClean="0"/>
+              <a:rPr lang="fr-FR"/>
               <a:t>Quatrième niveau</a:t>
             </a:r>
           </a:p>
           <a:p>
             <a:pPr lvl="4"/>
             <a:r>
-              <a:rPr lang="fr-FR" smtClean="0"/>
+              <a:rPr lang="fr-FR"/>
               <a:t>Cinquième niveau</a:t>
             </a:r>
-            <a:endParaRPr lang="fr-FR"/>
           </a:p>
         </p:txBody>
       </p:sp>
@@ -2599,7 +2518,7 @@
           <a:p>
             <a:pPr lvl="0"/>
             <a:r>
-              <a:rPr lang="fr-FR" smtClean="0"/>
+              <a:rPr lang="fr-FR"/>
               <a:t>Modifier les styles du texte du masque</a:t>
             </a:r>
           </a:p>
@@ -2622,7 +2541,7 @@
           <a:p>
             <a:fld id="{1A3D9B3B-1EC8-4BC4-B783-7630517B3190}" type="datetimeFigureOut">
               <a:rPr lang="fr-FR" smtClean="0"/>
-              <a:t>09/12/2021</a:t>
+              <a:t>12/12/2021</a:t>
             </a:fld>
             <a:endParaRPr lang="fr-FR"/>
           </a:p>
@@ -2688,13 +2607,6 @@
   <p:clrMapOvr>
     <a:masterClrMapping/>
   </p:clrMapOvr>
-  <p:timing>
-    <p:tnLst>
-      <p:par>
-        <p:cTn id="1" dur="indefinite" restart="never" nodeType="tmRoot"/>
-      </p:par>
-    </p:tnLst>
-  </p:timing>
 </p:sldLayout>
 </file>
 
@@ -2740,10 +2652,9 @@
           </a:lstStyle>
           <a:p>
             <a:r>
-              <a:rPr lang="fr-FR" smtClean="0"/>
+              <a:rPr lang="fr-FR"/>
               <a:t>Modifiez le style du titre</a:t>
             </a:r>
-            <a:endParaRPr lang="fr-FR"/>
           </a:p>
         </p:txBody>
       </p:sp>
@@ -2867,7 +2778,7 @@
           <a:p>
             <a:pPr lvl="0"/>
             <a:r>
-              <a:rPr lang="fr-FR" smtClean="0"/>
+              <a:rPr lang="fr-FR"/>
               <a:t>Modifier les styles du texte du masque</a:t>
             </a:r>
           </a:p>
@@ -2890,7 +2801,7 @@
           <a:p>
             <a:fld id="{1A3D9B3B-1EC8-4BC4-B783-7630517B3190}" type="datetimeFigureOut">
               <a:rPr lang="fr-FR" smtClean="0"/>
-              <a:t>09/12/2021</a:t>
+              <a:t>12/12/2021</a:t>
             </a:fld>
             <a:endParaRPr lang="fr-FR"/>
           </a:p>
@@ -2956,13 +2867,6 @@
   <p:clrMapOvr>
     <a:masterClrMapping/>
   </p:clrMapOvr>
-  <p:timing>
-    <p:tnLst>
-      <p:par>
-        <p:cTn id="1" dur="indefinite" restart="never" nodeType="tmRoot"/>
-      </p:par>
-    </p:tnLst>
-  </p:timing>
 </p:sldLayout>
 </file>
 
@@ -3014,10 +2918,9 @@
           <a:lstStyle/>
           <a:p>
             <a:r>
-              <a:rPr lang="fr-FR" dirty="0" smtClean="0"/>
+              <a:rPr lang="fr-FR" dirty="0"/>
               <a:t>Modifiez le style du titre</a:t>
             </a:r>
-            <a:endParaRPr lang="fr-FR" dirty="0"/>
           </a:p>
         </p:txBody>
       </p:sp>
@@ -3048,38 +2951,37 @@
           <a:p>
             <a:pPr lvl="0"/>
             <a:r>
-              <a:rPr lang="fr-FR" dirty="0" smtClean="0"/>
+              <a:rPr lang="fr-FR" dirty="0"/>
               <a:t>Modifier les styles du texte du masque</a:t>
             </a:r>
           </a:p>
           <a:p>
             <a:pPr lvl="1"/>
             <a:r>
-              <a:rPr lang="fr-FR" dirty="0" smtClean="0"/>
+              <a:rPr lang="fr-FR" dirty="0"/>
               <a:t>Deuxième niveau</a:t>
             </a:r>
           </a:p>
           <a:p>
             <a:pPr lvl="2"/>
             <a:r>
-              <a:rPr lang="fr-FR" dirty="0" smtClean="0"/>
+              <a:rPr lang="fr-FR" dirty="0"/>
               <a:t>Troisième niveau</a:t>
             </a:r>
           </a:p>
           <a:p>
             <a:pPr lvl="3"/>
             <a:r>
-              <a:rPr lang="fr-FR" dirty="0" smtClean="0"/>
+              <a:rPr lang="fr-FR" dirty="0"/>
               <a:t>Quatrième niveau</a:t>
             </a:r>
           </a:p>
           <a:p>
             <a:pPr lvl="4"/>
             <a:r>
-              <a:rPr lang="fr-FR" dirty="0" smtClean="0"/>
+              <a:rPr lang="fr-FR" dirty="0"/>
               <a:t>Cinquième niveau</a:t>
             </a:r>
-            <a:endParaRPr lang="fr-FR" dirty="0"/>
           </a:p>
         </p:txBody>
       </p:sp>
@@ -3119,7 +3021,7 @@
             <a:fld id="{1A3D9B3B-1EC8-4BC4-B783-7630517B3190}" type="datetimeFigureOut">
               <a:rPr lang="fr-FR" smtClean="0"/>
               <a:pPr/>
-              <a:t>09/12/2021</a:t>
+              <a:t>12/12/2021</a:t>
             </a:fld>
             <a:endParaRPr lang="fr-FR"/>
           </a:p>
@@ -3243,13 +3145,6 @@
     <p:sldLayoutId id="2147483658" r:id="rId11"/>
     <p:sldLayoutId id="2147483659" r:id="rId12"/>
   </p:sldLayoutIdLst>
-  <p:timing>
-    <p:tnLst>
-      <p:par>
-        <p:cTn id="1" dur="indefinite" restart="never" nodeType="tmRoot"/>
-      </p:par>
-    </p:tnLst>
-  </p:timing>
   <p:txStyles>
     <p:titleStyle>
       <a:lvl1pPr algn="ctr" defTabSz="914400" rtl="0" eaLnBrk="1" latinLnBrk="0" hangingPunct="1">
@@ -3562,10 +3457,15 @@
         </p:nvSpPr>
         <p:spPr/>
         <p:txBody>
-          <a:bodyPr/>
-          <a:lstStyle/>
-          <a:p>
-            <a:endParaRPr lang="fr-FR"/>
+          <a:bodyPr>
+            <a:normAutofit fontScale="90000"/>
+          </a:bodyPr>
+          <a:lstStyle/>
+          <a:p>
+            <a:r>
+              <a:rPr lang="fr-FR" dirty="0"/>
+              <a:t>Protocoles expérimentaux en Travaux Pratiques</a:t>
+            </a:r>
           </a:p>
         </p:txBody>
       </p:sp>
@@ -3584,7 +3484,7 @@
           <a:bodyPr/>
           <a:lstStyle/>
           <a:p>
-            <a:endParaRPr lang="fr-FR"/>
+            <a:endParaRPr lang="fr-FR" dirty="0"/>
           </a:p>
         </p:txBody>
       </p:sp>
@@ -3598,13 +3498,6 @@
   <p:clrMapOvr>
     <a:masterClrMapping/>
   </p:clrMapOvr>
-  <p:timing>
-    <p:tnLst>
-      <p:par>
-        <p:cTn id="1" dur="indefinite" restart="never" nodeType="tmRoot"/>
-      </p:par>
-    </p:tnLst>
-  </p:timing>
 </p:sld>
 </file>
 
@@ -3641,10 +3534,9 @@
           <a:lstStyle/>
           <a:p>
             <a:r>
-              <a:rPr lang="fr-FR" dirty="0" smtClean="0"/>
+              <a:rPr lang="fr-FR" dirty="0"/>
               <a:t>Détermination de l’inertie équivalente d’un ensemble de pièces</a:t>
             </a:r>
-            <a:endParaRPr lang="fr-FR" dirty="0"/>
           </a:p>
         </p:txBody>
       </p:sp>
@@ -3677,13 +3569,6 @@
   <p:clrMapOvr>
     <a:masterClrMapping/>
   </p:clrMapOvr>
-  <p:timing>
-    <p:tnLst>
-      <p:par>
-        <p:cTn id="1" dur="indefinite" restart="never" nodeType="tmRoot"/>
-      </p:par>
-    </p:tnLst>
-  </p:timing>
 </p:sld>
 </file>
 
@@ -3706,6 +3591,41 @@
       </p:grpSpPr>
       <p:sp>
         <p:nvSpPr>
+          <p:cNvPr id="8" name="ZoneTexte 7">
+            <a:extLst>
+              <a:ext uri="{FF2B5EF4-FFF2-40B4-BE49-F238E27FC236}">
+                <a16:creationId xmlns:a16="http://schemas.microsoft.com/office/drawing/2014/main" id="{5C1ABFBF-C921-4E80-86CB-00D406BF6EE4}"/>
+              </a:ext>
+            </a:extLst>
+          </p:cNvPr>
+          <p:cNvSpPr txBox="1"/>
+          <p:nvPr/>
+        </p:nvSpPr>
+        <p:spPr>
+          <a:xfrm>
+            <a:off x="0" y="2380278"/>
+            <a:ext cx="5565913" cy="646331"/>
+          </a:xfrm>
+          <a:prstGeom prst="rect">
+            <a:avLst/>
+          </a:prstGeom>
+          <a:noFill/>
+        </p:spPr>
+        <p:txBody>
+          <a:bodyPr wrap="square">
+            <a:spAutoFit/>
+          </a:bodyPr>
+          <a:lstStyle/>
+          <a:p>
+            <a:r>
+              <a:rPr lang="fr-FR" dirty="0"/>
+              <a:t>https://upload.wikimedia.org/wikipedia/commons/7/76/Tribometre_Vinci_1.jpg</a:t>
+            </a:r>
+          </a:p>
+        </p:txBody>
+      </p:sp>
+      <p:sp>
+        <p:nvSpPr>
           <p:cNvPr id="4" name="Titre 3"/>
           <p:cNvSpPr>
             <a:spLocks noGrp="1"/>
@@ -3720,25 +3640,48 @@
           <a:lstStyle/>
           <a:p>
             <a:r>
-              <a:rPr lang="fr-FR" dirty="0" smtClean="0"/>
+              <a:rPr lang="fr-FR" dirty="0"/>
               <a:t>Détermination du frottement</a:t>
             </a:r>
-            <a:endParaRPr lang="fr-FR" dirty="0"/>
-          </a:p>
-        </p:txBody>
-      </p:sp>
-      <p:sp>
-        <p:nvSpPr>
-          <p:cNvPr id="6" name="Espace réservé pour une image  5"/>
-          <p:cNvSpPr>
-            <a:spLocks noGrp="1"/>
-          </p:cNvSpPr>
+          </a:p>
+        </p:txBody>
+      </p:sp>
+      <p:pic>
+        <p:nvPicPr>
+          <p:cNvPr id="5" name="Espace réservé pour une image  4">
+            <a:extLst>
+              <a:ext uri="{FF2B5EF4-FFF2-40B4-BE49-F238E27FC236}">
+                <a16:creationId xmlns:a16="http://schemas.microsoft.com/office/drawing/2014/main" id="{55C49EB8-6511-4B80-9B5C-CC6A5D862A90}"/>
+              </a:ext>
+            </a:extLst>
+          </p:cNvPr>
+          <p:cNvPicPr>
+            <a:picLocks noGrp="1" noChangeAspect="1"/>
+          </p:cNvPicPr>
           <p:nvPr>
             <p:ph type="pic" idx="1"/>
           </p:nvPr>
-        </p:nvSpPr>
-        <p:spPr/>
-      </p:sp>
+        </p:nvPicPr>
+        <p:blipFill>
+          <a:blip r:embed="rId2" cstate="print">
+            <a:extLst>
+              <a:ext uri="{28A0092B-C50C-407E-A947-70E740481C1C}">
+                <a14:useLocalDpi xmlns:a14="http://schemas.microsoft.com/office/drawing/2010/main" val="0"/>
+              </a:ext>
+            </a:extLst>
+          </a:blip>
+          <a:srcRect t="9647" b="9647"/>
+          <a:stretch>
+            <a:fillRect/>
+          </a:stretch>
+        </p:blipFill>
+        <p:spPr>
+          <a:xfrm>
+            <a:off x="0" y="-566530"/>
+            <a:ext cx="5760000" cy="6858000"/>
+          </a:xfrm>
+        </p:spPr>
+      </p:pic>
       <p:sp>
         <p:nvSpPr>
           <p:cNvPr id="7" name="Espace réservé du texte 6"/>
@@ -3758,6 +3701,53 @@
           </a:p>
         </p:txBody>
       </p:sp>
+      <p:pic>
+        <p:nvPicPr>
+          <p:cNvPr id="1026" name="Picture 2">
+            <a:extLst>
+              <a:ext uri="{FF2B5EF4-FFF2-40B4-BE49-F238E27FC236}">
+                <a16:creationId xmlns:a16="http://schemas.microsoft.com/office/drawing/2014/main" id="{DE1DB4DF-4142-4A39-9F9F-14E2A2526DB3}"/>
+              </a:ext>
+            </a:extLst>
+          </p:cNvPr>
+          <p:cNvPicPr>
+            <a:picLocks noChangeAspect="1" noChangeArrowheads="1"/>
+          </p:cNvPicPr>
+          <p:nvPr/>
+        </p:nvPicPr>
+        <p:blipFill>
+          <a:blip r:embed="rId3">
+            <a:extLst>
+              <a:ext uri="{28A0092B-C50C-407E-A947-70E740481C1C}">
+                <a14:useLocalDpi xmlns:a14="http://schemas.microsoft.com/office/drawing/2010/main" val="0"/>
+              </a:ext>
+            </a:extLst>
+          </a:blip>
+          <a:srcRect/>
+          <a:stretch>
+            <a:fillRect/>
+          </a:stretch>
+        </p:blipFill>
+        <p:spPr bwMode="auto">
+          <a:xfrm>
+            <a:off x="0" y="3299612"/>
+            <a:ext cx="5800874" cy="3558388"/>
+          </a:xfrm>
+          <a:prstGeom prst="rect">
+            <a:avLst/>
+          </a:prstGeom>
+          <a:noFill/>
+          <a:extLst>
+            <a:ext uri="{909E8E84-426E-40DD-AFC4-6F175D3DCCD1}">
+              <a14:hiddenFill xmlns:a14="http://schemas.microsoft.com/office/drawing/2010/main">
+                <a:solidFill>
+                  <a:srgbClr val="FFFFFF"/>
+                </a:solidFill>
+              </a14:hiddenFill>
+            </a:ext>
+          </a:extLst>
+        </p:spPr>
+      </p:pic>
     </p:spTree>
     <p:extLst>
       <p:ext uri="{BB962C8B-B14F-4D97-AF65-F5344CB8AC3E}">
@@ -3768,13 +3758,6 @@
   <p:clrMapOvr>
     <a:masterClrMapping/>
   </p:clrMapOvr>
-  <p:timing>
-    <p:tnLst>
-      <p:par>
-        <p:cTn id="1" dur="indefinite" restart="never" nodeType="tmRoot"/>
-      </p:par>
-    </p:tnLst>
-  </p:timing>
 </p:sld>
 </file>
 
@@ -3811,10 +3794,9 @@
           <a:lstStyle/>
           <a:p>
             <a:r>
-              <a:rPr lang="fr-FR" dirty="0" smtClean="0"/>
+              <a:rPr lang="fr-FR" dirty="0"/>
               <a:t>Détermination du frottement sec</a:t>
             </a:r>
-            <a:endParaRPr lang="fr-FR" dirty="0"/>
           </a:p>
         </p:txBody>
       </p:sp>
@@ -3847,13 +3829,6 @@
   <p:clrMapOvr>
     <a:masterClrMapping/>
   </p:clrMapOvr>
-  <p:timing>
-    <p:tnLst>
-      <p:par>
-        <p:cTn id="1" dur="indefinite" restart="never" nodeType="tmRoot"/>
-      </p:par>
-    </p:tnLst>
-  </p:timing>
 </p:sld>
 </file>
 
@@ -3890,32 +3865,102 @@
           <a:lstStyle/>
           <a:p>
             <a:r>
-              <a:rPr lang="fr-FR" dirty="0" smtClean="0"/>
+              <a:rPr lang="fr-FR" dirty="0"/>
               <a:t>Caractéristiques d’un moteur à courant continu</a:t>
             </a:r>
-            <a:endParaRPr lang="fr-FR" dirty="0"/>
-          </a:p>
-        </p:txBody>
-      </p:sp>
-      <p:sp>
-        <p:nvSpPr>
-          <p:cNvPr id="5" name="Espace réservé du texte 4"/>
-          <p:cNvSpPr>
-            <a:spLocks noGrp="1"/>
-          </p:cNvSpPr>
-          <p:nvPr>
-            <p:ph type="body" idx="1"/>
-          </p:nvPr>
-        </p:nvSpPr>
-        <p:spPr/>
-        <p:txBody>
-          <a:bodyPr/>
-          <a:lstStyle/>
-          <a:p>
-            <a:endParaRPr lang="fr-FR"/>
-          </a:p>
-        </p:txBody>
-      </p:sp>
+          </a:p>
+        </p:txBody>
+      </p:sp>
+      <p:sp>
+        <p:nvSpPr>
+          <p:cNvPr id="2" name="Espace réservé pour une image  1">
+            <a:extLst>
+              <a:ext uri="{FF2B5EF4-FFF2-40B4-BE49-F238E27FC236}">
+                <a16:creationId xmlns:a16="http://schemas.microsoft.com/office/drawing/2014/main" id="{94EB1A54-466A-4CC1-BB26-1079C0BBAA98}"/>
+              </a:ext>
+            </a:extLst>
+          </p:cNvPr>
+          <p:cNvSpPr>
+            <a:spLocks noGrp="1"/>
+          </p:cNvSpPr>
+          <p:nvPr>
+            <p:ph type="pic" idx="1"/>
+          </p:nvPr>
+        </p:nvSpPr>
+        <p:spPr/>
+      </p:sp>
+      <p:sp>
+        <p:nvSpPr>
+          <p:cNvPr id="3" name="Espace réservé du texte 2">
+            <a:extLst>
+              <a:ext uri="{FF2B5EF4-FFF2-40B4-BE49-F238E27FC236}">
+                <a16:creationId xmlns:a16="http://schemas.microsoft.com/office/drawing/2014/main" id="{ADBEA7E6-FC2C-48A2-9A44-2D00D9873C34}"/>
+              </a:ext>
+            </a:extLst>
+          </p:cNvPr>
+          <p:cNvSpPr>
+            <a:spLocks noGrp="1"/>
+          </p:cNvSpPr>
+          <p:nvPr>
+            <p:ph type="body" sz="half" idx="2"/>
+          </p:nvPr>
+        </p:nvSpPr>
+        <p:spPr/>
+        <p:txBody>
+          <a:bodyPr/>
+          <a:lstStyle/>
+          <a:p>
+            <a:endParaRPr lang="fr-FR"/>
+          </a:p>
+        </p:txBody>
+      </p:sp>
+      <p:pic>
+        <p:nvPicPr>
+          <p:cNvPr id="2050" name="Picture 2">
+            <a:extLst>
+              <a:ext uri="{FF2B5EF4-FFF2-40B4-BE49-F238E27FC236}">
+                <a16:creationId xmlns:a16="http://schemas.microsoft.com/office/drawing/2014/main" id="{FC9A3B17-9173-41BC-BBBE-C5C7242A9338}"/>
+              </a:ext>
+            </a:extLst>
+          </p:cNvPr>
+          <p:cNvPicPr>
+            <a:picLocks noChangeAspect="1" noChangeArrowheads="1"/>
+          </p:cNvPicPr>
+          <p:nvPr/>
+        </p:nvPicPr>
+        <p:blipFill>
+          <a:blip r:embed="rId2">
+            <a:extLst>
+              <a:ext uri="{28A0092B-C50C-407E-A947-70E740481C1C}">
+                <a14:useLocalDpi xmlns:a14="http://schemas.microsoft.com/office/drawing/2010/main" val="0"/>
+              </a:ext>
+            </a:extLst>
+          </a:blip>
+          <a:srcRect/>
+          <a:stretch>
+            <a:fillRect/>
+          </a:stretch>
+        </p:blipFill>
+        <p:spPr bwMode="auto">
+          <a:xfrm>
+            <a:off x="1" y="0"/>
+            <a:ext cx="5760000" cy="3993452"/>
+          </a:xfrm>
+          <a:prstGeom prst="rect">
+            <a:avLst/>
+          </a:prstGeom>
+          <a:noFill/>
+          <a:extLst>
+            <a:ext uri="{909E8E84-426E-40DD-AFC4-6F175D3DCCD1}">
+              <a14:hiddenFill xmlns:a14="http://schemas.microsoft.com/office/drawing/2010/main">
+                <a:solidFill>
+                  <a:srgbClr val="FFFFFF"/>
+                </a:solidFill>
+              </a14:hiddenFill>
+            </a:ext>
+          </a:extLst>
+        </p:spPr>
+      </p:pic>
     </p:spTree>
     <p:extLst>
       <p:ext uri="{BB962C8B-B14F-4D97-AF65-F5344CB8AC3E}">
@@ -3926,13 +3971,255 @@
   <p:clrMapOvr>
     <a:masterClrMapping/>
   </p:clrMapOvr>
-  <p:timing>
-    <p:tnLst>
-      <p:par>
-        <p:cTn id="1" dur="indefinite" restart="never" nodeType="tmRoot"/>
-      </p:par>
-    </p:tnLst>
-  </p:timing>
+</p:sld>
+</file>
+
+<file path=ppt/slides/slide14.xml><?xml version="1.0" encoding="utf-8"?>
+<p:sld xmlns:a="http://schemas.openxmlformats.org/drawingml/2006/main" xmlns:r="http://schemas.openxmlformats.org/officeDocument/2006/relationships" xmlns:p="http://schemas.openxmlformats.org/presentationml/2006/main">
+  <p:cSld>
+    <p:spTree>
+      <p:nvGrpSpPr>
+        <p:cNvPr id="1" name=""/>
+        <p:cNvGrpSpPr/>
+        <p:nvPr/>
+      </p:nvGrpSpPr>
+      <p:grpSpPr>
+        <a:xfrm>
+          <a:off x="0" y="0"/>
+          <a:ext cx="0" cy="0"/>
+          <a:chOff x="0" y="0"/>
+          <a:chExt cx="0" cy="0"/>
+        </a:xfrm>
+      </p:grpSpPr>
+      <p:sp>
+        <p:nvSpPr>
+          <p:cNvPr id="5" name="Titre 4">
+            <a:extLst>
+              <a:ext uri="{FF2B5EF4-FFF2-40B4-BE49-F238E27FC236}">
+                <a16:creationId xmlns:a16="http://schemas.microsoft.com/office/drawing/2014/main" id="{1B3466BE-90DA-460C-89D2-467B99FE9911}"/>
+              </a:ext>
+            </a:extLst>
+          </p:cNvPr>
+          <p:cNvSpPr>
+            <a:spLocks noGrp="1"/>
+          </p:cNvSpPr>
+          <p:nvPr>
+            <p:ph type="title"/>
+          </p:nvPr>
+        </p:nvSpPr>
+        <p:spPr/>
+        <p:txBody>
+          <a:bodyPr/>
+          <a:lstStyle/>
+          <a:p>
+            <a:r>
+              <a:rPr lang="fr-FR" dirty="0"/>
+              <a:t>Détermination de la constante électrique ou de la constante de couple</a:t>
+            </a:r>
+          </a:p>
+        </p:txBody>
+      </p:sp>
+      <p:sp>
+        <p:nvSpPr>
+          <p:cNvPr id="6" name="Espace réservé du contenu 5">
+            <a:extLst>
+              <a:ext uri="{FF2B5EF4-FFF2-40B4-BE49-F238E27FC236}">
+                <a16:creationId xmlns:a16="http://schemas.microsoft.com/office/drawing/2014/main" id="{DD3182B1-2E49-4758-9780-442FDA2CB3F8}"/>
+              </a:ext>
+            </a:extLst>
+          </p:cNvPr>
+          <p:cNvSpPr>
+            <a:spLocks noGrp="1"/>
+          </p:cNvSpPr>
+          <p:nvPr>
+            <p:ph idx="1"/>
+          </p:nvPr>
+        </p:nvSpPr>
+        <p:spPr/>
+        <p:txBody>
+          <a:bodyPr/>
+          <a:lstStyle/>
+          <a:p>
+            <a:endParaRPr lang="fr-FR"/>
+          </a:p>
+        </p:txBody>
+      </p:sp>
+    </p:spTree>
+    <p:extLst>
+      <p:ext uri="{BB962C8B-B14F-4D97-AF65-F5344CB8AC3E}">
+        <p14:creationId xmlns:p14="http://schemas.microsoft.com/office/powerpoint/2010/main" val="2801543763"/>
+      </p:ext>
+    </p:extLst>
+  </p:cSld>
+  <p:clrMapOvr>
+    <a:masterClrMapping/>
+  </p:clrMapOvr>
+</p:sld>
+</file>
+
+<file path=ppt/slides/slide15.xml><?xml version="1.0" encoding="utf-8"?>
+<p:sld xmlns:a="http://schemas.openxmlformats.org/drawingml/2006/main" xmlns:r="http://schemas.openxmlformats.org/officeDocument/2006/relationships" xmlns:p="http://schemas.openxmlformats.org/presentationml/2006/main">
+  <p:cSld>
+    <p:spTree>
+      <p:nvGrpSpPr>
+        <p:cNvPr id="1" name=""/>
+        <p:cNvGrpSpPr/>
+        <p:nvPr/>
+      </p:nvGrpSpPr>
+      <p:grpSpPr>
+        <a:xfrm>
+          <a:off x="0" y="0"/>
+          <a:ext cx="0" cy="0"/>
+          <a:chOff x="0" y="0"/>
+          <a:chExt cx="0" cy="0"/>
+        </a:xfrm>
+      </p:grpSpPr>
+      <p:sp>
+        <p:nvSpPr>
+          <p:cNvPr id="5" name="Titre 4">
+            <a:extLst>
+              <a:ext uri="{FF2B5EF4-FFF2-40B4-BE49-F238E27FC236}">
+                <a16:creationId xmlns:a16="http://schemas.microsoft.com/office/drawing/2014/main" id="{1B3466BE-90DA-460C-89D2-467B99FE9911}"/>
+              </a:ext>
+            </a:extLst>
+          </p:cNvPr>
+          <p:cNvSpPr>
+            <a:spLocks noGrp="1"/>
+          </p:cNvSpPr>
+          <p:nvPr>
+            <p:ph type="title"/>
+          </p:nvPr>
+        </p:nvSpPr>
+        <p:spPr/>
+        <p:txBody>
+          <a:bodyPr/>
+          <a:lstStyle/>
+          <a:p>
+            <a:r>
+              <a:rPr lang="fr-FR" dirty="0"/>
+              <a:t>Détermination de la résistance</a:t>
+            </a:r>
+          </a:p>
+        </p:txBody>
+      </p:sp>
+      <p:sp>
+        <p:nvSpPr>
+          <p:cNvPr id="6" name="Espace réservé du contenu 5">
+            <a:extLst>
+              <a:ext uri="{FF2B5EF4-FFF2-40B4-BE49-F238E27FC236}">
+                <a16:creationId xmlns:a16="http://schemas.microsoft.com/office/drawing/2014/main" id="{DD3182B1-2E49-4758-9780-442FDA2CB3F8}"/>
+              </a:ext>
+            </a:extLst>
+          </p:cNvPr>
+          <p:cNvSpPr>
+            <a:spLocks noGrp="1"/>
+          </p:cNvSpPr>
+          <p:nvPr>
+            <p:ph idx="1"/>
+          </p:nvPr>
+        </p:nvSpPr>
+        <p:spPr/>
+        <p:txBody>
+          <a:bodyPr/>
+          <a:lstStyle/>
+          <a:p>
+            <a:endParaRPr lang="fr-FR"/>
+          </a:p>
+        </p:txBody>
+      </p:sp>
+    </p:spTree>
+    <p:extLst>
+      <p:ext uri="{BB962C8B-B14F-4D97-AF65-F5344CB8AC3E}">
+        <p14:creationId xmlns:p14="http://schemas.microsoft.com/office/powerpoint/2010/main" val="1218073976"/>
+      </p:ext>
+    </p:extLst>
+  </p:cSld>
+  <p:clrMapOvr>
+    <a:masterClrMapping/>
+  </p:clrMapOvr>
+</p:sld>
+</file>
+
+<file path=ppt/slides/slide16.xml><?xml version="1.0" encoding="utf-8"?>
+<p:sld xmlns:a="http://schemas.openxmlformats.org/drawingml/2006/main" xmlns:r="http://schemas.openxmlformats.org/officeDocument/2006/relationships" xmlns:p="http://schemas.openxmlformats.org/presentationml/2006/main">
+  <p:cSld>
+    <p:spTree>
+      <p:nvGrpSpPr>
+        <p:cNvPr id="1" name=""/>
+        <p:cNvGrpSpPr/>
+        <p:nvPr/>
+      </p:nvGrpSpPr>
+      <p:grpSpPr>
+        <a:xfrm>
+          <a:off x="0" y="0"/>
+          <a:ext cx="0" cy="0"/>
+          <a:chOff x="0" y="0"/>
+          <a:chExt cx="0" cy="0"/>
+        </a:xfrm>
+      </p:grpSpPr>
+      <p:sp>
+        <p:nvSpPr>
+          <p:cNvPr id="5" name="Titre 4">
+            <a:extLst>
+              <a:ext uri="{FF2B5EF4-FFF2-40B4-BE49-F238E27FC236}">
+                <a16:creationId xmlns:a16="http://schemas.microsoft.com/office/drawing/2014/main" id="{1B3466BE-90DA-460C-89D2-467B99FE9911}"/>
+              </a:ext>
+            </a:extLst>
+          </p:cNvPr>
+          <p:cNvSpPr>
+            <a:spLocks noGrp="1"/>
+          </p:cNvSpPr>
+          <p:nvPr>
+            <p:ph type="title"/>
+          </p:nvPr>
+        </p:nvSpPr>
+        <p:spPr/>
+        <p:txBody>
+          <a:bodyPr/>
+          <a:lstStyle/>
+          <a:p>
+            <a:r>
+              <a:rPr lang="fr-FR" dirty="0"/>
+              <a:t>Détermination de l’inductance</a:t>
+            </a:r>
+          </a:p>
+        </p:txBody>
+      </p:sp>
+      <p:sp>
+        <p:nvSpPr>
+          <p:cNvPr id="6" name="Espace réservé du contenu 5">
+            <a:extLst>
+              <a:ext uri="{FF2B5EF4-FFF2-40B4-BE49-F238E27FC236}">
+                <a16:creationId xmlns:a16="http://schemas.microsoft.com/office/drawing/2014/main" id="{DD3182B1-2E49-4758-9780-442FDA2CB3F8}"/>
+              </a:ext>
+            </a:extLst>
+          </p:cNvPr>
+          <p:cNvSpPr>
+            <a:spLocks noGrp="1"/>
+          </p:cNvSpPr>
+          <p:nvPr>
+            <p:ph idx="1"/>
+          </p:nvPr>
+        </p:nvSpPr>
+        <p:spPr/>
+        <p:txBody>
+          <a:bodyPr/>
+          <a:lstStyle/>
+          <a:p>
+            <a:endParaRPr lang="fr-FR"/>
+          </a:p>
+        </p:txBody>
+      </p:sp>
+    </p:spTree>
+    <p:extLst>
+      <p:ext uri="{BB962C8B-B14F-4D97-AF65-F5344CB8AC3E}">
+        <p14:creationId xmlns:p14="http://schemas.microsoft.com/office/powerpoint/2010/main" val="77956961"/>
+      </p:ext>
+    </p:extLst>
+  </p:cSld>
+  <p:clrMapOvr>
+    <a:masterClrMapping/>
+  </p:clrMapOvr>
 </p:sld>
 </file>
 
@@ -4707,13 +4994,6 @@
   <p:clrMapOvr>
     <a:masterClrMapping/>
   </p:clrMapOvr>
-  <p:timing>
-    <p:tnLst>
-      <p:par>
-        <p:cTn id="1" dur="indefinite" restart="never" nodeType="tmRoot"/>
-      </p:par>
-    </p:tnLst>
-  </p:timing>
 </p:sld>
 </file>
 
@@ -4750,41 +5030,45 @@
           <a:lstStyle/>
           <a:p>
             <a:r>
-              <a:rPr lang="fr-FR" dirty="0" smtClean="0"/>
+              <a:rPr lang="fr-FR" dirty="0"/>
               <a:t>Identification du modèle de comportement d’un système ou d’un composant</a:t>
             </a:r>
+          </a:p>
+        </p:txBody>
+      </p:sp>
+      <p:sp>
+        <p:nvSpPr>
+          <p:cNvPr id="6" name="Espace réservé pour une image  5"/>
+          <p:cNvSpPr>
+            <a:spLocks noGrp="1"/>
+          </p:cNvSpPr>
+          <p:nvPr>
+            <p:ph type="pic" idx="1"/>
+          </p:nvPr>
+        </p:nvSpPr>
+        <p:spPr/>
+      </p:sp>
+      <p:sp>
+        <p:nvSpPr>
+          <p:cNvPr id="7" name="Espace réservé du texte 6"/>
+          <p:cNvSpPr>
+            <a:spLocks noGrp="1"/>
+          </p:cNvSpPr>
+          <p:nvPr>
+            <p:ph type="body" sz="half" idx="2"/>
+          </p:nvPr>
+        </p:nvSpPr>
+        <p:spPr>
+          <a:xfrm>
+            <a:off x="5800874" y="1885278"/>
+            <a:ext cx="6195656" cy="4972722"/>
+          </a:xfrm>
+        </p:spPr>
+        <p:txBody>
+          <a:bodyPr/>
+          <a:lstStyle/>
+          <a:p>
             <a:endParaRPr lang="fr-FR" dirty="0"/>
-          </a:p>
-        </p:txBody>
-      </p:sp>
-      <p:sp>
-        <p:nvSpPr>
-          <p:cNvPr id="6" name="Espace réservé pour une image  5"/>
-          <p:cNvSpPr>
-            <a:spLocks noGrp="1"/>
-          </p:cNvSpPr>
-          <p:nvPr>
-            <p:ph type="pic" idx="1"/>
-          </p:nvPr>
-        </p:nvSpPr>
-        <p:spPr/>
-      </p:sp>
-      <p:sp>
-        <p:nvSpPr>
-          <p:cNvPr id="7" name="Espace réservé du texte 6"/>
-          <p:cNvSpPr>
-            <a:spLocks noGrp="1"/>
-          </p:cNvSpPr>
-          <p:nvPr>
-            <p:ph type="body" sz="half" idx="2"/>
-          </p:nvPr>
-        </p:nvSpPr>
-        <p:spPr/>
-        <p:txBody>
-          <a:bodyPr/>
-          <a:lstStyle/>
-          <a:p>
-            <a:endParaRPr lang="fr-FR"/>
           </a:p>
         </p:txBody>
       </p:sp>
@@ -4798,13 +5082,6 @@
   <p:clrMapOvr>
     <a:masterClrMapping/>
   </p:clrMapOvr>
-  <p:timing>
-    <p:tnLst>
-      <p:par>
-        <p:cTn id="1" dur="indefinite" restart="never" nodeType="tmRoot"/>
-      </p:par>
-    </p:tnLst>
-  </p:timing>
 </p:sld>
 </file>
 
@@ -4841,21 +5118,16 @@
           <a:lstStyle/>
           <a:p>
             <a:r>
-              <a:rPr lang="fr-FR" dirty="0" smtClean="0"/>
+              <a:rPr lang="fr-FR" dirty="0"/>
               <a:t>Modèle de comportement</a:t>
             </a:r>
             <a:br>
-              <a:rPr lang="fr-FR" dirty="0" smtClean="0"/>
+              <a:rPr lang="fr-FR" dirty="0"/>
             </a:br>
             <a:r>
-              <a:rPr lang="fr-FR" dirty="0" smtClean="0"/>
-              <a:t>Comportement</a:t>
-            </a:r>
-            <a:r>
-              <a:rPr lang="fr-FR" dirty="0" smtClean="0"/>
-              <a:t> linéaire</a:t>
-            </a:r>
-            <a:endParaRPr lang="fr-FR" dirty="0"/>
+              <a:rPr lang="fr-FR" dirty="0"/>
+              <a:t>Comportement linéaire</a:t>
+            </a:r>
           </a:p>
         </p:txBody>
       </p:sp>
@@ -4888,13 +5160,6 @@
   <p:clrMapOvr>
     <a:masterClrMapping/>
   </p:clrMapOvr>
-  <p:timing>
-    <p:tnLst>
-      <p:par>
-        <p:cTn id="1" dur="indefinite" restart="never" nodeType="tmRoot"/>
-      </p:par>
-    </p:tnLst>
-  </p:timing>
 </p:sld>
 </file>
 
@@ -4931,17 +5196,16 @@
           <a:lstStyle/>
           <a:p>
             <a:r>
-              <a:rPr lang="fr-FR" dirty="0" smtClean="0"/>
+              <a:rPr lang="fr-FR" dirty="0"/>
               <a:t>Modèle de comportement</a:t>
             </a:r>
             <a:br>
-              <a:rPr lang="fr-FR" dirty="0" smtClean="0"/>
+              <a:rPr lang="fr-FR" dirty="0"/>
             </a:br>
             <a:r>
-              <a:rPr lang="fr-FR" dirty="0" smtClean="0"/>
+              <a:rPr lang="fr-FR" dirty="0"/>
               <a:t>Identification du comportement d’un système d’ordre 1</a:t>
             </a:r>
-            <a:endParaRPr lang="fr-FR" dirty="0"/>
           </a:p>
         </p:txBody>
       </p:sp>
@@ -4974,13 +5238,6 @@
   <p:clrMapOvr>
     <a:masterClrMapping/>
   </p:clrMapOvr>
-  <p:timing>
-    <p:tnLst>
-      <p:par>
-        <p:cTn id="1" dur="indefinite" restart="never" nodeType="tmRoot"/>
-      </p:par>
-    </p:tnLst>
-  </p:timing>
 </p:sld>
 </file>
 
@@ -5017,17 +5274,16 @@
           <a:lstStyle/>
           <a:p>
             <a:r>
-              <a:rPr lang="fr-FR" dirty="0" smtClean="0"/>
+              <a:rPr lang="fr-FR" dirty="0"/>
               <a:t>Modèle de comportement</a:t>
             </a:r>
             <a:br>
-              <a:rPr lang="fr-FR" dirty="0" smtClean="0"/>
+              <a:rPr lang="fr-FR" dirty="0"/>
             </a:br>
             <a:r>
-              <a:rPr lang="fr-FR" dirty="0" smtClean="0"/>
+              <a:rPr lang="fr-FR" dirty="0"/>
               <a:t>Identification du comportement d’un système d’ordre 2</a:t>
             </a:r>
-            <a:endParaRPr lang="fr-FR" dirty="0"/>
           </a:p>
         </p:txBody>
       </p:sp>
@@ -5060,13 +5316,6 @@
   <p:clrMapOvr>
     <a:masterClrMapping/>
   </p:clrMapOvr>
-  <p:timing>
-    <p:tnLst>
-      <p:par>
-        <p:cTn id="1" dur="indefinite" restart="never" nodeType="tmRoot"/>
-      </p:par>
-    </p:tnLst>
-  </p:timing>
 </p:sld>
 </file>
 
@@ -5089,7 +5338,35 @@
       </p:grpSpPr>
       <p:sp>
         <p:nvSpPr>
-          <p:cNvPr id="2" name="Titre 1"/>
+          <p:cNvPr id="12" name="Rectangle 11"/>
+          <p:cNvSpPr/>
+          <p:nvPr/>
+        </p:nvSpPr>
+        <p:spPr>
+          <a:xfrm>
+            <a:off x="224589" y="5287561"/>
+            <a:ext cx="4860758" cy="923330"/>
+          </a:xfrm>
+          <a:prstGeom prst="rect">
+            <a:avLst/>
+          </a:prstGeom>
+        </p:spPr>
+        <p:txBody>
+          <a:bodyPr wrap="square">
+            <a:spAutoFit/>
+          </a:bodyPr>
+          <a:lstStyle/>
+          <a:p>
+            <a:r>
+              <a:rPr lang="fr-FR" dirty="0"/>
+              <a:t>https://upload.wikimedia.org/wikipedia/commons/a/ad/Foucault_gyroscope-CnAM_7688-IMG_5428-gradient.jpg</a:t>
+            </a:r>
+          </a:p>
+        </p:txBody>
+      </p:sp>
+      <p:sp>
+        <p:nvSpPr>
+          <p:cNvPr id="4" name="Titre 3"/>
           <p:cNvSpPr>
             <a:spLocks noGrp="1"/>
           </p:cNvSpPr>
@@ -5103,28 +5380,55 @@
           <a:lstStyle/>
           <a:p>
             <a:r>
-              <a:rPr lang="fr-FR" dirty="0" smtClean="0"/>
-              <a:t>Détermination d’un moment d’inertie</a:t>
+              <a:rPr lang="fr-FR" dirty="0"/>
+              <a:t>Moment d’inertie</a:t>
             </a:r>
             <a:br>
-              <a:rPr lang="fr-FR" dirty="0" smtClean="0"/>
+              <a:rPr lang="fr-FR" dirty="0"/>
             </a:br>
             <a:r>
-              <a:rPr lang="fr-FR" dirty="0" smtClean="0"/>
-              <a:t>Inertie d’une pièce – Oscillations libres</a:t>
-            </a:r>
-            <a:endParaRPr lang="fr-FR" dirty="0"/>
-          </a:p>
-        </p:txBody>
-      </p:sp>
-      <p:sp>
-        <p:nvSpPr>
-          <p:cNvPr id="3" name="Espace réservé du contenu 2"/>
-          <p:cNvSpPr>
-            <a:spLocks noGrp="1"/>
-          </p:cNvSpPr>
-          <p:nvPr>
-            <p:ph idx="1"/>
+              <a:rPr lang="fr-FR" dirty="0"/>
+              <a:t>Inertie équivalente</a:t>
+            </a:r>
+          </a:p>
+        </p:txBody>
+      </p:sp>
+      <p:pic>
+        <p:nvPicPr>
+          <p:cNvPr id="11" name="Espace réservé pour une image  10"/>
+          <p:cNvPicPr>
+            <a:picLocks noGrp="1" noChangeAspect="1"/>
+          </p:cNvPicPr>
+          <p:nvPr>
+            <p:ph type="pic" idx="1"/>
+          </p:nvPr>
+        </p:nvPicPr>
+        <p:blipFill rotWithShape="1">
+          <a:blip r:embed="rId2" cstate="print">
+            <a:extLst>
+              <a:ext uri="{28A0092B-C50C-407E-A947-70E740481C1C}">
+                <a14:useLocalDpi xmlns:a14="http://schemas.microsoft.com/office/drawing/2010/main" val="0"/>
+              </a:ext>
+            </a:extLst>
+          </a:blip>
+          <a:srcRect l="21364" t="12788" r="20468" b="11817"/>
+          <a:stretch/>
+        </p:blipFill>
+        <p:spPr>
+          <a:xfrm>
+            <a:off x="0" y="0"/>
+            <a:ext cx="5309936" cy="6882063"/>
+          </a:xfrm>
+        </p:spPr>
+      </p:pic>
+      <p:sp>
+        <p:nvSpPr>
+          <p:cNvPr id="7" name="Espace réservé du texte 6"/>
+          <p:cNvSpPr>
+            <a:spLocks noGrp="1"/>
+          </p:cNvSpPr>
+          <p:nvPr>
+            <p:ph type="body" sz="half" idx="2"/>
           </p:nvPr>
         </p:nvSpPr>
         <p:spPr/>
@@ -5139,20 +5443,13 @@
     </p:spTree>
     <p:extLst>
       <p:ext uri="{BB962C8B-B14F-4D97-AF65-F5344CB8AC3E}">
-        <p14:creationId xmlns:p14="http://schemas.microsoft.com/office/powerpoint/2010/main" val="935404769"/>
+        <p14:creationId xmlns:p14="http://schemas.microsoft.com/office/powerpoint/2010/main" val="2670932415"/>
       </p:ext>
     </p:extLst>
   </p:cSld>
   <p:clrMapOvr>
     <a:masterClrMapping/>
   </p:clrMapOvr>
-  <p:timing>
-    <p:tnLst>
-      <p:par>
-        <p:cTn id="1" dur="indefinite" restart="never" nodeType="tmRoot"/>
-      </p:par>
-    </p:tnLst>
-  </p:timing>
 </p:sld>
 </file>
 
@@ -5189,17 +5486,16 @@
           <a:lstStyle/>
           <a:p>
             <a:r>
-              <a:rPr lang="fr-FR" dirty="0" smtClean="0"/>
+              <a:rPr lang="fr-FR" dirty="0"/>
               <a:t>Détermination d’un moment d’inertie</a:t>
             </a:r>
             <a:br>
-              <a:rPr lang="fr-FR" dirty="0" smtClean="0"/>
+              <a:rPr lang="fr-FR" dirty="0"/>
             </a:br>
             <a:r>
-              <a:rPr lang="fr-FR" dirty="0" smtClean="0"/>
-              <a:t>Inertie d’une pièce – Oscillations forcées</a:t>
-            </a:r>
-            <a:endParaRPr lang="fr-FR" dirty="0"/>
+              <a:rPr lang="fr-FR" dirty="0"/>
+              <a:t>Inertie d’une pièce – Oscillations libres</a:t>
+            </a:r>
           </a:p>
         </p:txBody>
       </p:sp>
@@ -5225,20 +5521,13 @@
     </p:spTree>
     <p:extLst>
       <p:ext uri="{BB962C8B-B14F-4D97-AF65-F5344CB8AC3E}">
-        <p14:creationId xmlns:p14="http://schemas.microsoft.com/office/powerpoint/2010/main" val="3290701058"/>
+        <p14:creationId xmlns:p14="http://schemas.microsoft.com/office/powerpoint/2010/main" val="935404769"/>
       </p:ext>
     </p:extLst>
   </p:cSld>
   <p:clrMapOvr>
     <a:masterClrMapping/>
   </p:clrMapOvr>
-  <p:timing>
-    <p:tnLst>
-      <p:par>
-        <p:cTn id="1" dur="indefinite" restart="never" nodeType="tmRoot"/>
-      </p:par>
-    </p:tnLst>
-  </p:timing>
 </p:sld>
 </file>
 
@@ -5261,36 +5550,7 @@
       </p:grpSpPr>
       <p:sp>
         <p:nvSpPr>
-          <p:cNvPr id="12" name="Rectangle 11"/>
-          <p:cNvSpPr/>
-          <p:nvPr/>
-        </p:nvSpPr>
-        <p:spPr>
-          <a:xfrm>
-            <a:off x="224589" y="5287561"/>
-            <a:ext cx="4860758" cy="923330"/>
-          </a:xfrm>
-          <a:prstGeom prst="rect">
-            <a:avLst/>
-          </a:prstGeom>
-        </p:spPr>
-        <p:txBody>
-          <a:bodyPr wrap="square">
-            <a:spAutoFit/>
-          </a:bodyPr>
-          <a:lstStyle/>
-          <a:p>
-            <a:r>
-              <a:rPr lang="fr-FR" dirty="0" smtClean="0"/>
-              <a:t>https://upload.wikimedia.org/wikipedia/commons/a/ad/Foucault_gyroscope-CnAM_7688-IMG_5428-gradient.jpg</a:t>
-            </a:r>
-            <a:endParaRPr lang="fr-FR" dirty="0"/>
-          </a:p>
-        </p:txBody>
-      </p:sp>
-      <p:sp>
-        <p:nvSpPr>
-          <p:cNvPr id="4" name="Titre 3"/>
+          <p:cNvPr id="2" name="Titre 1"/>
           <p:cNvSpPr>
             <a:spLocks noGrp="1"/>
           </p:cNvSpPr>
@@ -5304,56 +5564,27 @@
           <a:lstStyle/>
           <a:p>
             <a:r>
-              <a:rPr lang="fr-FR" dirty="0" smtClean="0"/>
-              <a:t>Moment d’inertie</a:t>
+              <a:rPr lang="fr-FR" dirty="0"/>
+              <a:t>Détermination d’un moment d’inertie</a:t>
             </a:r>
             <a:br>
-              <a:rPr lang="fr-FR" dirty="0" smtClean="0"/>
+              <a:rPr lang="fr-FR" dirty="0"/>
             </a:br>
             <a:r>
-              <a:rPr lang="fr-FR" dirty="0" smtClean="0"/>
-              <a:t>Inertie équivalente</a:t>
-            </a:r>
-            <a:endParaRPr lang="fr-FR" dirty="0"/>
-          </a:p>
-        </p:txBody>
-      </p:sp>
-      <p:pic>
-        <p:nvPicPr>
-          <p:cNvPr id="11" name="Espace réservé pour une image  10"/>
-          <p:cNvPicPr>
-            <a:picLocks noGrp="1" noChangeAspect="1"/>
-          </p:cNvPicPr>
-          <p:nvPr>
-            <p:ph type="pic" idx="1"/>
-          </p:nvPr>
-        </p:nvPicPr>
-        <p:blipFill rotWithShape="1">
-          <a:blip r:embed="rId2" cstate="print">
-            <a:extLst>
-              <a:ext uri="{28A0092B-C50C-407E-A947-70E740481C1C}">
-                <a14:useLocalDpi xmlns:a14="http://schemas.microsoft.com/office/drawing/2010/main" val="0"/>
-              </a:ext>
-            </a:extLst>
-          </a:blip>
-          <a:srcRect l="21364" t="12788" r="20468" b="11817"/>
-          <a:stretch/>
-        </p:blipFill>
-        <p:spPr>
-          <a:xfrm>
-            <a:off x="0" y="0"/>
-            <a:ext cx="5309936" cy="6882063"/>
-          </a:xfrm>
-        </p:spPr>
-      </p:pic>
-      <p:sp>
-        <p:nvSpPr>
-          <p:cNvPr id="7" name="Espace réservé du texte 6"/>
-          <p:cNvSpPr>
-            <a:spLocks noGrp="1"/>
-          </p:cNvSpPr>
-          <p:nvPr>
-            <p:ph type="body" sz="half" idx="2"/>
+              <a:rPr lang="fr-FR" dirty="0"/>
+              <a:t>Inertie d’une pièce – Oscillations forcées</a:t>
+            </a:r>
+          </a:p>
+        </p:txBody>
+      </p:sp>
+      <p:sp>
+        <p:nvSpPr>
+          <p:cNvPr id="3" name="Espace réservé du contenu 2"/>
+          <p:cNvSpPr>
+            <a:spLocks noGrp="1"/>
+          </p:cNvSpPr>
+          <p:nvPr>
+            <p:ph idx="1"/>
           </p:nvPr>
         </p:nvSpPr>
         <p:spPr/>
@@ -5368,20 +5599,13 @@
     </p:spTree>
     <p:extLst>
       <p:ext uri="{BB962C8B-B14F-4D97-AF65-F5344CB8AC3E}">
-        <p14:creationId xmlns:p14="http://schemas.microsoft.com/office/powerpoint/2010/main" val="2670932415"/>
+        <p14:creationId xmlns:p14="http://schemas.microsoft.com/office/powerpoint/2010/main" val="3290701058"/>
       </p:ext>
     </p:extLst>
   </p:cSld>
   <p:clrMapOvr>
     <a:masterClrMapping/>
   </p:clrMapOvr>
-  <p:timing>
-    <p:tnLst>
-      <p:par>
-        <p:cTn id="1" dur="indefinite" restart="never" nodeType="tmRoot"/>
-      </p:par>
-    </p:tnLst>
-  </p:timing>
 </p:sld>
 </file>
 
